--- a/docs/diagrams/DeconflictSequenceDiagram.pptx
+++ b/docs/diagrams/DeconflictSequenceDiagram.pptx
@@ -105,6 +105,11 @@
       </a:defRPr>
     </a:lvl9pPr>
   </p:defaultTextStyle>
+  <p:extLst>
+    <p:ext uri="{EFAFB233-063F-42B5-8137-9DF3F51BA10A}">
+      <p15:sldGuideLst xmlns:p15="http://schemas.microsoft.com/office/powerpoint/2012/main"/>
+    </p:ext>
+  </p:extLst>
 </p:presentation>
 </file>
 
@@ -239,7 +244,7 @@
           <a:p>
             <a:fld id="{600B1339-6BAC-477B-AE26-3B400C059D15}" type="datetimeFigureOut">
               <a:rPr lang="en-SG" smtClean="0"/>
-              <a:t>10/11/2018</a:t>
+              <a:t>11/11/2018</a:t>
             </a:fld>
             <a:endParaRPr lang="en-SG"/>
           </a:p>
@@ -409,7 +414,7 @@
           <a:p>
             <a:fld id="{600B1339-6BAC-477B-AE26-3B400C059D15}" type="datetimeFigureOut">
               <a:rPr lang="en-SG" smtClean="0"/>
-              <a:t>10/11/2018</a:t>
+              <a:t>11/11/2018</a:t>
             </a:fld>
             <a:endParaRPr lang="en-SG"/>
           </a:p>
@@ -589,7 +594,7 @@
           <a:p>
             <a:fld id="{600B1339-6BAC-477B-AE26-3B400C059D15}" type="datetimeFigureOut">
               <a:rPr lang="en-SG" smtClean="0"/>
-              <a:t>10/11/2018</a:t>
+              <a:t>11/11/2018</a:t>
             </a:fld>
             <a:endParaRPr lang="en-SG"/>
           </a:p>
@@ -836,7 +841,7 @@
                 </a:solidFill>
               </a:rPr>
               <a:pPr/>
-              <a:t>11/10/2018</a:t>
+              <a:t>11/11/2018</a:t>
             </a:fld>
             <a:endParaRPr lang="en-US">
               <a:solidFill>
@@ -1036,7 +1041,7 @@
                 </a:solidFill>
               </a:rPr>
               <a:pPr/>
-              <a:t>11/10/2018</a:t>
+              <a:t>11/11/2018</a:t>
             </a:fld>
             <a:endParaRPr lang="en-US">
               <a:solidFill>
@@ -1313,7 +1318,7 @@
                 </a:solidFill>
               </a:rPr>
               <a:pPr/>
-              <a:t>11/10/2018</a:t>
+              <a:t>11/11/2018</a:t>
             </a:fld>
             <a:endParaRPr lang="en-US">
               <a:solidFill>
@@ -1630,7 +1635,7 @@
                 </a:solidFill>
               </a:rPr>
               <a:pPr/>
-              <a:t>11/10/2018</a:t>
+              <a:t>11/11/2018</a:t>
             </a:fld>
             <a:endParaRPr lang="en-US">
               <a:solidFill>
@@ -2081,7 +2086,7 @@
                 </a:solidFill>
               </a:rPr>
               <a:pPr/>
-              <a:t>11/10/2018</a:t>
+              <a:t>11/11/2018</a:t>
             </a:fld>
             <a:endParaRPr lang="en-US">
               <a:solidFill>
@@ -2230,7 +2235,7 @@
                 </a:solidFill>
               </a:rPr>
               <a:pPr/>
-              <a:t>11/10/2018</a:t>
+              <a:t>11/11/2018</a:t>
             </a:fld>
             <a:endParaRPr lang="en-US">
               <a:solidFill>
@@ -2357,7 +2362,7 @@
                 </a:solidFill>
               </a:rPr>
               <a:pPr/>
-              <a:t>11/10/2018</a:t>
+              <a:t>11/11/2018</a:t>
             </a:fld>
             <a:endParaRPr lang="en-US">
               <a:solidFill>
@@ -2664,7 +2669,7 @@
                 </a:solidFill>
               </a:rPr>
               <a:pPr/>
-              <a:t>11/10/2018</a:t>
+              <a:t>11/11/2018</a:t>
             </a:fld>
             <a:endParaRPr lang="en-US">
               <a:solidFill>
@@ -2859,7 +2864,7 @@
           <a:p>
             <a:fld id="{600B1339-6BAC-477B-AE26-3B400C059D15}" type="datetimeFigureOut">
               <a:rPr lang="en-SG" smtClean="0"/>
-              <a:t>10/11/2018</a:t>
+              <a:t>11/11/2018</a:t>
             </a:fld>
             <a:endParaRPr lang="en-SG"/>
           </a:p>
@@ -3118,7 +3123,7 @@
                 </a:solidFill>
               </a:rPr>
               <a:pPr/>
-              <a:t>11/10/2018</a:t>
+              <a:t>11/11/2018</a:t>
             </a:fld>
             <a:endParaRPr lang="en-US">
               <a:solidFill>
@@ -3318,7 +3323,7 @@
                 </a:solidFill>
               </a:rPr>
               <a:pPr/>
-              <a:t>11/10/2018</a:t>
+              <a:t>11/11/2018</a:t>
             </a:fld>
             <a:endParaRPr lang="en-US">
               <a:solidFill>
@@ -3528,7 +3533,7 @@
                 </a:solidFill>
               </a:rPr>
               <a:pPr/>
-              <a:t>11/10/2018</a:t>
+              <a:t>11/11/2018</a:t>
             </a:fld>
             <a:endParaRPr lang="en-US">
               <a:solidFill>
@@ -3799,7 +3804,7 @@
           <a:p>
             <a:fld id="{600B1339-6BAC-477B-AE26-3B400C059D15}" type="datetimeFigureOut">
               <a:rPr lang="en-SG" smtClean="0"/>
-              <a:t>10/11/2018</a:t>
+              <a:t>11/11/2018</a:t>
             </a:fld>
             <a:endParaRPr lang="en-SG"/>
           </a:p>
@@ -4031,7 +4036,7 @@
           <a:p>
             <a:fld id="{600B1339-6BAC-477B-AE26-3B400C059D15}" type="datetimeFigureOut">
               <a:rPr lang="en-SG" smtClean="0"/>
-              <a:t>10/11/2018</a:t>
+              <a:t>11/11/2018</a:t>
             </a:fld>
             <a:endParaRPr lang="en-SG"/>
           </a:p>
@@ -4398,7 +4403,7 @@
           <a:p>
             <a:fld id="{600B1339-6BAC-477B-AE26-3B400C059D15}" type="datetimeFigureOut">
               <a:rPr lang="en-SG" smtClean="0"/>
-              <a:t>10/11/2018</a:t>
+              <a:t>11/11/2018</a:t>
             </a:fld>
             <a:endParaRPr lang="en-SG"/>
           </a:p>
@@ -4516,7 +4521,7 @@
           <a:p>
             <a:fld id="{600B1339-6BAC-477B-AE26-3B400C059D15}" type="datetimeFigureOut">
               <a:rPr lang="en-SG" smtClean="0"/>
-              <a:t>10/11/2018</a:t>
+              <a:t>11/11/2018</a:t>
             </a:fld>
             <a:endParaRPr lang="en-SG"/>
           </a:p>
@@ -4611,7 +4616,7 @@
           <a:p>
             <a:fld id="{600B1339-6BAC-477B-AE26-3B400C059D15}" type="datetimeFigureOut">
               <a:rPr lang="en-SG" smtClean="0"/>
-              <a:t>10/11/2018</a:t>
+              <a:t>11/11/2018</a:t>
             </a:fld>
             <a:endParaRPr lang="en-SG"/>
           </a:p>
@@ -4888,7 +4893,7 @@
           <a:p>
             <a:fld id="{600B1339-6BAC-477B-AE26-3B400C059D15}" type="datetimeFigureOut">
               <a:rPr lang="en-SG" smtClean="0"/>
-              <a:t>10/11/2018</a:t>
+              <a:t>11/11/2018</a:t>
             </a:fld>
             <a:endParaRPr lang="en-SG"/>
           </a:p>
@@ -5141,7 +5146,7 @@
           <a:p>
             <a:fld id="{600B1339-6BAC-477B-AE26-3B400C059D15}" type="datetimeFigureOut">
               <a:rPr lang="en-SG" smtClean="0"/>
-              <a:t>10/11/2018</a:t>
+              <a:t>11/11/2018</a:t>
             </a:fld>
             <a:endParaRPr lang="en-SG"/>
           </a:p>
@@ -5354,7 +5359,7 @@
           <a:p>
             <a:fld id="{600B1339-6BAC-477B-AE26-3B400C059D15}" type="datetimeFigureOut">
               <a:rPr lang="en-SG" smtClean="0"/>
-              <a:t>10/11/2018</a:t>
+              <a:t>11/11/2018</a:t>
             </a:fld>
             <a:endParaRPr lang="en-SG"/>
           </a:p>
@@ -5899,7 +5904,7 @@
                 </a:solidFill>
               </a:rPr>
               <a:pPr/>
-              <a:t>11/10/2018</a:t>
+              <a:t>11/11/2018</a:t>
             </a:fld>
             <a:endParaRPr lang="en-US">
               <a:solidFill>
@@ -6472,14 +6477,6 @@
               </a:rPr>
               <a:t>:Free</a:t>
             </a:r>
-            <a:r>
-              <a:rPr lang="en-US" sz="1600" dirty="0">
-                <a:solidFill>
-                  <a:prstClr val="white"/>
-                </a:solidFill>
-              </a:rPr>
-              <a:t/>
-            </a:r>
             <a:br>
               <a:rPr lang="en-US" sz="1600" dirty="0">
                 <a:solidFill>
@@ -7866,15 +7863,13 @@
       <p:cxnSp>
         <p:nvCxnSpPr>
           <p:cNvPr id="110" name="Straight Arrow Connector 109"/>
-          <p:cNvCxnSpPr>
-            <a:endCxn id="109" idx="0"/>
-          </p:cNvCxnSpPr>
+          <p:cNvCxnSpPr/>
           <p:nvPr/>
         </p:nvCxnSpPr>
         <p:spPr>
           <a:xfrm>
             <a:off x="7277496" y="3425825"/>
-            <a:ext cx="2199151" cy="0"/>
+            <a:ext cx="2118489" cy="0"/>
           </a:xfrm>
           <a:prstGeom prst="straightConnector1">
             <a:avLst/>

--- a/docs/diagrams/DeconflictSequenceDiagram.pptx
+++ b/docs/diagrams/DeconflictSequenceDiagram.pptx
@@ -7,6 +7,7 @@
   </p:sldMasterIdLst>
   <p:sldIdLst>
     <p:sldId id="256" r:id="rId3"/>
+    <p:sldId id="257" r:id="rId4"/>
   </p:sldIdLst>
   <p:sldSz cx="12192000" cy="6858000"/>
   <p:notesSz cx="6858000" cy="9144000"/>
@@ -6676,8 +6677,8 @@
         </p:nvCxnSpPr>
         <p:spPr>
           <a:xfrm flipH="1">
-            <a:off x="6128745" y="915210"/>
-            <a:ext cx="2475" cy="5680383"/>
+            <a:off x="6128747" y="915208"/>
+            <a:ext cx="2472" cy="5680385"/>
           </a:xfrm>
           <a:prstGeom prst="line">
             <a:avLst/>
@@ -6918,8 +6919,8 @@
         </p:nvSpPr>
         <p:spPr>
           <a:xfrm>
-            <a:off x="5647358" y="458009"/>
-            <a:ext cx="967722" cy="457200"/>
+            <a:off x="5647358" y="611521"/>
+            <a:ext cx="967722" cy="303687"/>
           </a:xfrm>
           <a:prstGeom prst="rect">
             <a:avLst/>
@@ -6959,20 +6960,17 @@
                   <a:prstClr val="white"/>
                 </a:solidFill>
               </a:rPr>
-              <a:t>:Model</a:t>
-            </a:r>
-          </a:p>
-          <a:p>
-            <a:pPr algn="ctr"/>
-            <a:r>
-              <a:rPr lang="en-US" sz="1600" dirty="0">
+              <a:t>:</a:t>
+            </a:r>
+            <a:r>
+              <a:rPr lang="en-US" sz="1600" dirty="0" smtClean="0">
                 <a:solidFill>
                   <a:prstClr val="white"/>
                 </a:solidFill>
               </a:rPr>
-              <a:t>Manager</a:t>
-            </a:r>
-            <a:endParaRPr lang="en-SG" sz="1600" dirty="0">
+              <a:t>Model</a:t>
+            </a:r>
+            <a:endParaRPr lang="en-US" sz="1600" dirty="0">
               <a:solidFill>
                 <a:prstClr val="white"/>
               </a:solidFill>
@@ -8905,6 +8903,1515 @@
     <p:extLst>
       <p:ext uri="{BB962C8B-B14F-4D97-AF65-F5344CB8AC3E}">
         <p14:creationId xmlns:p14="http://schemas.microsoft.com/office/powerpoint/2010/main" val="1166577962"/>
+      </p:ext>
+    </p:extLst>
+  </p:cSld>
+  <p:clrMapOvr>
+    <a:masterClrMapping/>
+  </p:clrMapOvr>
+</p:sld>
+</file>
+
+<file path=ppt/slides/slide2.xml><?xml version="1.0" encoding="utf-8"?>
+<p:sld xmlns:a="http://schemas.openxmlformats.org/drawingml/2006/main" xmlns:r="http://schemas.openxmlformats.org/officeDocument/2006/relationships" xmlns:p="http://schemas.openxmlformats.org/presentationml/2006/main">
+  <p:cSld>
+    <p:spTree>
+      <p:nvGrpSpPr>
+        <p:cNvPr id="1" name=""/>
+        <p:cNvGrpSpPr/>
+        <p:nvPr/>
+      </p:nvGrpSpPr>
+      <p:grpSpPr>
+        <a:xfrm>
+          <a:off x="0" y="0"/>
+          <a:ext cx="0" cy="0"/>
+          <a:chOff x="0" y="0"/>
+          <a:chExt cx="0" cy="0"/>
+        </a:xfrm>
+      </p:grpSpPr>
+      <p:sp>
+        <p:nvSpPr>
+          <p:cNvPr id="34" name="Rectangle 65"/>
+          <p:cNvSpPr/>
+          <p:nvPr/>
+        </p:nvSpPr>
+        <p:spPr>
+          <a:xfrm>
+            <a:off x="6333666" y="161925"/>
+            <a:ext cx="4917083" cy="6552806"/>
+          </a:xfrm>
+          <a:prstGeom prst="roundRect">
+            <a:avLst>
+              <a:gd name="adj" fmla="val 3484"/>
+            </a:avLst>
+          </a:prstGeom>
+          <a:solidFill>
+            <a:srgbClr val="F1F5E9"/>
+          </a:solidFill>
+          <a:ln w="19050">
+            <a:noFill/>
+          </a:ln>
+          <a:effectLst/>
+        </p:spPr>
+        <p:style>
+          <a:lnRef idx="1">
+            <a:schemeClr val="accent2"/>
+          </a:lnRef>
+          <a:fillRef idx="2">
+            <a:schemeClr val="accent2"/>
+          </a:fillRef>
+          <a:effectRef idx="1">
+            <a:schemeClr val="accent2"/>
+          </a:effectRef>
+          <a:fontRef idx="minor">
+            <a:schemeClr val="dk1"/>
+          </a:fontRef>
+        </p:style>
+        <p:txBody>
+          <a:bodyPr rtlCol="0" anchor="t"/>
+          <a:lstStyle/>
+          <a:p>
+            <a:r>
+              <a:rPr lang="en-US" sz="1200" b="1" dirty="0">
+                <a:solidFill>
+                  <a:schemeClr val="accent3">
+                    <a:lumMod val="75000"/>
+                  </a:schemeClr>
+                </a:solidFill>
+              </a:rPr>
+              <a:t>UI</a:t>
+            </a:r>
+            <a:endParaRPr lang="en-SG" sz="1200" b="1" dirty="0">
+              <a:solidFill>
+                <a:schemeClr val="accent3">
+                  <a:lumMod val="75000"/>
+                </a:schemeClr>
+              </a:solidFill>
+            </a:endParaRPr>
+          </a:p>
+        </p:txBody>
+      </p:sp>
+      <p:sp>
+        <p:nvSpPr>
+          <p:cNvPr id="17" name="Rectangle 65"/>
+          <p:cNvSpPr/>
+          <p:nvPr/>
+        </p:nvSpPr>
+        <p:spPr>
+          <a:xfrm>
+            <a:off x="3539615" y="161925"/>
+            <a:ext cx="1778561" cy="6553200"/>
+          </a:xfrm>
+          <a:prstGeom prst="roundRect">
+            <a:avLst>
+              <a:gd name="adj" fmla="val 3484"/>
+            </a:avLst>
+          </a:prstGeom>
+          <a:solidFill>
+            <a:schemeClr val="accent5">
+              <a:lumMod val="40000"/>
+              <a:lumOff val="60000"/>
+            </a:schemeClr>
+          </a:solidFill>
+          <a:ln w="19050">
+            <a:noFill/>
+          </a:ln>
+          <a:effectLst/>
+        </p:spPr>
+        <p:style>
+          <a:lnRef idx="1">
+            <a:schemeClr val="accent2"/>
+          </a:lnRef>
+          <a:fillRef idx="2">
+            <a:schemeClr val="accent2"/>
+          </a:fillRef>
+          <a:effectRef idx="1">
+            <a:schemeClr val="accent2"/>
+          </a:effectRef>
+          <a:fontRef idx="minor">
+            <a:schemeClr val="dk1"/>
+          </a:fontRef>
+        </p:style>
+        <p:txBody>
+          <a:bodyPr rtlCol="0" anchor="t"/>
+          <a:lstStyle/>
+          <a:p>
+            <a:r>
+              <a:rPr lang="en-US" sz="1200" b="1" dirty="0" smtClean="0">
+                <a:solidFill>
+                  <a:schemeClr val="accent5">
+                    <a:lumMod val="75000"/>
+                  </a:schemeClr>
+                </a:solidFill>
+              </a:rPr>
+              <a:t>Events</a:t>
+            </a:r>
+            <a:endParaRPr lang="en-SG" sz="1200" b="1" dirty="0">
+              <a:solidFill>
+                <a:schemeClr val="accent5">
+                  <a:lumMod val="75000"/>
+                </a:schemeClr>
+              </a:solidFill>
+            </a:endParaRPr>
+          </a:p>
+        </p:txBody>
+      </p:sp>
+      <p:sp>
+        <p:nvSpPr>
+          <p:cNvPr id="15" name="Rectangle 65"/>
+          <p:cNvSpPr/>
+          <p:nvPr/>
+        </p:nvSpPr>
+        <p:spPr>
+          <a:xfrm>
+            <a:off x="1263270" y="161925"/>
+            <a:ext cx="1260855" cy="6553200"/>
+          </a:xfrm>
+          <a:prstGeom prst="roundRect">
+            <a:avLst>
+              <a:gd name="adj" fmla="val 3484"/>
+            </a:avLst>
+          </a:prstGeom>
+          <a:solidFill>
+            <a:schemeClr val="accent4">
+              <a:lumMod val="20000"/>
+              <a:lumOff val="80000"/>
+            </a:schemeClr>
+          </a:solidFill>
+          <a:ln w="19050">
+            <a:noFill/>
+          </a:ln>
+          <a:effectLst/>
+        </p:spPr>
+        <p:style>
+          <a:lnRef idx="1">
+            <a:schemeClr val="accent2"/>
+          </a:lnRef>
+          <a:fillRef idx="2">
+            <a:schemeClr val="accent2"/>
+          </a:fillRef>
+          <a:effectRef idx="1">
+            <a:schemeClr val="accent2"/>
+          </a:effectRef>
+          <a:fontRef idx="minor">
+            <a:schemeClr val="dk1"/>
+          </a:fontRef>
+        </p:style>
+        <p:txBody>
+          <a:bodyPr rtlCol="0" anchor="t"/>
+          <a:lstStyle/>
+          <a:p>
+            <a:r>
+              <a:rPr lang="en-US" sz="1200" b="1" dirty="0">
+                <a:solidFill>
+                  <a:srgbClr val="7030A0"/>
+                </a:solidFill>
+              </a:rPr>
+              <a:t>Model</a:t>
+            </a:r>
+            <a:endParaRPr lang="en-SG" sz="1200" b="1" dirty="0">
+              <a:solidFill>
+                <a:srgbClr val="7030A0"/>
+              </a:solidFill>
+            </a:endParaRPr>
+          </a:p>
+        </p:txBody>
+      </p:sp>
+      <p:cxnSp>
+        <p:nvCxnSpPr>
+          <p:cNvPr id="2" name="Straight Connector 1"/>
+          <p:cNvCxnSpPr>
+            <a:stCxn id="3" idx="2"/>
+          </p:cNvCxnSpPr>
+          <p:nvPr/>
+        </p:nvCxnSpPr>
+        <p:spPr>
+          <a:xfrm>
+            <a:off x="1902119" y="762808"/>
+            <a:ext cx="0" cy="5834842"/>
+          </a:xfrm>
+          <a:prstGeom prst="line">
+            <a:avLst/>
+          </a:prstGeom>
+          <a:ln w="19050">
+            <a:solidFill>
+              <a:srgbClr val="7030A0"/>
+            </a:solidFill>
+            <a:prstDash val="sysDash"/>
+          </a:ln>
+          <a:effectLst/>
+        </p:spPr>
+        <p:style>
+          <a:lnRef idx="1">
+            <a:schemeClr val="accent1"/>
+          </a:lnRef>
+          <a:fillRef idx="2">
+            <a:schemeClr val="accent1"/>
+          </a:fillRef>
+          <a:effectRef idx="1">
+            <a:schemeClr val="accent1"/>
+          </a:effectRef>
+          <a:fontRef idx="minor">
+            <a:schemeClr val="dk1"/>
+          </a:fontRef>
+        </p:style>
+      </p:cxnSp>
+      <p:sp>
+        <p:nvSpPr>
+          <p:cNvPr id="3" name="Rectangle 8"/>
+          <p:cNvSpPr/>
+          <p:nvPr/>
+        </p:nvSpPr>
+        <p:spPr>
+          <a:xfrm>
+            <a:off x="1418258" y="459121"/>
+            <a:ext cx="967722" cy="303687"/>
+          </a:xfrm>
+          <a:prstGeom prst="rect">
+            <a:avLst/>
+          </a:prstGeom>
+          <a:solidFill>
+            <a:srgbClr val="7030A0"/>
+          </a:solidFill>
+          <a:ln w="19050">
+            <a:solidFill>
+              <a:srgbClr val="7030A0"/>
+            </a:solidFill>
+          </a:ln>
+          <a:effectLst/>
+        </p:spPr>
+        <p:style>
+          <a:lnRef idx="1">
+            <a:schemeClr val="accent2"/>
+          </a:lnRef>
+          <a:fillRef idx="2">
+            <a:schemeClr val="accent2"/>
+          </a:fillRef>
+          <a:effectRef idx="1">
+            <a:schemeClr val="accent2"/>
+          </a:effectRef>
+          <a:fontRef idx="minor">
+            <a:schemeClr val="dk1"/>
+          </a:fontRef>
+        </p:style>
+        <p:txBody>
+          <a:bodyPr rtlCol="0" anchor="ctr"/>
+          <a:lstStyle/>
+          <a:p>
+            <a:pPr algn="ctr"/>
+            <a:r>
+              <a:rPr lang="en-US" sz="1600" dirty="0">
+                <a:solidFill>
+                  <a:prstClr val="white"/>
+                </a:solidFill>
+              </a:rPr>
+              <a:t>:</a:t>
+            </a:r>
+            <a:r>
+              <a:rPr lang="en-US" sz="1600" dirty="0" smtClean="0">
+                <a:solidFill>
+                  <a:prstClr val="white"/>
+                </a:solidFill>
+              </a:rPr>
+              <a:t>Model</a:t>
+            </a:r>
+            <a:endParaRPr lang="en-US" sz="1600" dirty="0">
+              <a:solidFill>
+                <a:prstClr val="white"/>
+              </a:solidFill>
+            </a:endParaRPr>
+          </a:p>
+        </p:txBody>
+      </p:sp>
+      <p:cxnSp>
+        <p:nvCxnSpPr>
+          <p:cNvPr id="4" name="Straight Arrow Connector 3"/>
+          <p:cNvCxnSpPr/>
+          <p:nvPr/>
+        </p:nvCxnSpPr>
+        <p:spPr>
+          <a:xfrm>
+            <a:off x="64164" y="980656"/>
+            <a:ext cx="1757295" cy="0"/>
+          </a:xfrm>
+          <a:prstGeom prst="straightConnector1">
+            <a:avLst/>
+          </a:prstGeom>
+          <a:ln w="19050">
+            <a:solidFill>
+              <a:srgbClr val="0070C0"/>
+            </a:solidFill>
+            <a:tailEnd type="arrow"/>
+          </a:ln>
+        </p:spPr>
+        <p:style>
+          <a:lnRef idx="1">
+            <a:schemeClr val="accent1"/>
+          </a:lnRef>
+          <a:fillRef idx="0">
+            <a:schemeClr val="accent1"/>
+          </a:fillRef>
+          <a:effectRef idx="0">
+            <a:schemeClr val="accent1"/>
+          </a:effectRef>
+          <a:fontRef idx="minor">
+            <a:schemeClr val="tx1"/>
+          </a:fontRef>
+        </p:style>
+      </p:cxnSp>
+      <p:cxnSp>
+        <p:nvCxnSpPr>
+          <p:cNvPr id="5" name="Straight Arrow Connector 4"/>
+          <p:cNvCxnSpPr/>
+          <p:nvPr/>
+        </p:nvCxnSpPr>
+        <p:spPr>
+          <a:xfrm flipV="1">
+            <a:off x="64164" y="6511480"/>
+            <a:ext cx="1728537" cy="0"/>
+          </a:xfrm>
+          <a:prstGeom prst="straightConnector1">
+            <a:avLst/>
+          </a:prstGeom>
+          <a:ln w="19050">
+            <a:solidFill>
+              <a:srgbClr val="7030A0"/>
+            </a:solidFill>
+            <a:prstDash val="sysDash"/>
+            <a:headEnd type="arrow" w="med" len="med"/>
+            <a:tailEnd type="none" w="med" len="med"/>
+          </a:ln>
+        </p:spPr>
+        <p:style>
+          <a:lnRef idx="1">
+            <a:schemeClr val="accent1"/>
+          </a:lnRef>
+          <a:fillRef idx="0">
+            <a:schemeClr val="accent1"/>
+          </a:fillRef>
+          <a:effectRef idx="0">
+            <a:schemeClr val="accent1"/>
+          </a:effectRef>
+          <a:fontRef idx="minor">
+            <a:schemeClr val="tx1"/>
+          </a:fontRef>
+        </p:style>
+      </p:cxnSp>
+      <p:sp>
+        <p:nvSpPr>
+          <p:cNvPr id="6" name="TextBox 5"/>
+          <p:cNvSpPr txBox="1"/>
+          <p:nvPr/>
+        </p:nvSpPr>
+        <p:spPr>
+          <a:xfrm>
+            <a:off x="94008" y="762808"/>
+            <a:ext cx="1462225" cy="215444"/>
+          </a:xfrm>
+          <a:prstGeom prst="rect">
+            <a:avLst/>
+          </a:prstGeom>
+          <a:noFill/>
+        </p:spPr>
+        <p:txBody>
+          <a:bodyPr wrap="square" lIns="0" tIns="0" rIns="0" bIns="0" rtlCol="0">
+            <a:spAutoFit/>
+          </a:bodyPr>
+          <a:lstStyle>
+            <a:defPPr>
+              <a:defRPr lang="en-US"/>
+            </a:defPPr>
+            <a:lvl1pPr algn="r">
+              <a:defRPr sz="1400">
+                <a:solidFill>
+                  <a:srgbClr val="0070C0"/>
+                </a:solidFill>
+              </a:defRPr>
+            </a:lvl1pPr>
+          </a:lstStyle>
+          <a:p>
+            <a:pPr algn="l"/>
+            <a:r>
+              <a:rPr lang="en-US" dirty="0" err="1" smtClean="0">
+                <a:solidFill>
+                  <a:srgbClr val="7030A0"/>
+                </a:solidFill>
+              </a:rPr>
+              <a:t>updateTimeTable</a:t>
+            </a:r>
+            <a:r>
+              <a:rPr lang="en-US" dirty="0" smtClean="0">
+                <a:solidFill>
+                  <a:srgbClr val="7030A0"/>
+                </a:solidFill>
+              </a:rPr>
+              <a:t>(t)</a:t>
+            </a:r>
+            <a:endParaRPr lang="en-US" dirty="0">
+              <a:solidFill>
+                <a:srgbClr val="7030A0"/>
+              </a:solidFill>
+            </a:endParaRPr>
+          </a:p>
+        </p:txBody>
+      </p:sp>
+      <p:sp>
+        <p:nvSpPr>
+          <p:cNvPr id="7" name="Rectangle 6"/>
+          <p:cNvSpPr/>
+          <p:nvPr/>
+        </p:nvSpPr>
+        <p:spPr>
+          <a:xfrm>
+            <a:off x="1821458" y="983061"/>
+            <a:ext cx="161322" cy="5533944"/>
+          </a:xfrm>
+          <a:prstGeom prst="rect">
+            <a:avLst/>
+          </a:prstGeom>
+          <a:solidFill>
+            <a:srgbClr val="7030A0"/>
+          </a:solidFill>
+          <a:ln>
+            <a:solidFill>
+              <a:srgbClr val="7030A0"/>
+            </a:solidFill>
+          </a:ln>
+          <a:effectLst/>
+        </p:spPr>
+        <p:style>
+          <a:lnRef idx="1">
+            <a:schemeClr val="accent3"/>
+          </a:lnRef>
+          <a:fillRef idx="2">
+            <a:schemeClr val="accent3"/>
+          </a:fillRef>
+          <a:effectRef idx="1">
+            <a:schemeClr val="accent3"/>
+          </a:effectRef>
+          <a:fontRef idx="minor">
+            <a:schemeClr val="dk1"/>
+          </a:fontRef>
+        </p:style>
+        <p:txBody>
+          <a:bodyPr rtlCol="0" anchor="ctr"/>
+          <a:lstStyle/>
+          <a:p>
+            <a:pPr algn="ctr"/>
+            <a:endParaRPr lang="en-SG" sz="1400">
+              <a:solidFill>
+                <a:prstClr val="black"/>
+              </a:solidFill>
+            </a:endParaRPr>
+          </a:p>
+        </p:txBody>
+      </p:sp>
+      <p:sp>
+        <p:nvSpPr>
+          <p:cNvPr id="16" name="Rectangle 62"/>
+          <p:cNvSpPr/>
+          <p:nvPr/>
+        </p:nvSpPr>
+        <p:spPr>
+          <a:xfrm>
+            <a:off x="3743095" y="437584"/>
+            <a:ext cx="1371600" cy="346760"/>
+          </a:xfrm>
+          <a:prstGeom prst="rect">
+            <a:avLst/>
+          </a:prstGeom>
+          <a:solidFill>
+            <a:schemeClr val="accent5">
+              <a:lumMod val="75000"/>
+            </a:schemeClr>
+          </a:solidFill>
+          <a:ln w="19050">
+            <a:solidFill>
+              <a:schemeClr val="accent5">
+                <a:lumMod val="75000"/>
+              </a:schemeClr>
+            </a:solidFill>
+          </a:ln>
+          <a:effectLst/>
+        </p:spPr>
+        <p:style>
+          <a:lnRef idx="1">
+            <a:schemeClr val="accent2"/>
+          </a:lnRef>
+          <a:fillRef idx="2">
+            <a:schemeClr val="accent2"/>
+          </a:fillRef>
+          <a:effectRef idx="1">
+            <a:schemeClr val="accent2"/>
+          </a:effectRef>
+          <a:fontRef idx="minor">
+            <a:schemeClr val="dk1"/>
+          </a:fontRef>
+        </p:style>
+        <p:txBody>
+          <a:bodyPr rtlCol="0" anchor="ctr"/>
+          <a:lstStyle/>
+          <a:p>
+            <a:pPr algn="ctr"/>
+            <a:r>
+              <a:rPr lang="en-US" sz="1600" dirty="0" smtClean="0">
+                <a:solidFill>
+                  <a:schemeClr val="bg1"/>
+                </a:solidFill>
+              </a:rPr>
+              <a:t>:</a:t>
+            </a:r>
+            <a:r>
+              <a:rPr lang="en-US" sz="1600" dirty="0" err="1" smtClean="0">
+                <a:solidFill>
+                  <a:schemeClr val="bg1"/>
+                </a:solidFill>
+              </a:rPr>
+              <a:t>EventsCenter</a:t>
+            </a:r>
+            <a:endParaRPr lang="en-SG" sz="1600" dirty="0">
+              <a:solidFill>
+                <a:schemeClr val="bg1"/>
+              </a:solidFill>
+            </a:endParaRPr>
+          </a:p>
+        </p:txBody>
+      </p:sp>
+      <p:cxnSp>
+        <p:nvCxnSpPr>
+          <p:cNvPr id="18" name="Straight Arrow Connector 17"/>
+          <p:cNvCxnSpPr/>
+          <p:nvPr/>
+        </p:nvCxnSpPr>
+        <p:spPr>
+          <a:xfrm>
+            <a:off x="1982779" y="1128293"/>
+            <a:ext cx="2365455" cy="0"/>
+          </a:xfrm>
+          <a:prstGeom prst="straightConnector1">
+            <a:avLst/>
+          </a:prstGeom>
+          <a:ln w="19050">
+            <a:solidFill>
+              <a:srgbClr val="7030A0"/>
+            </a:solidFill>
+            <a:tailEnd type="arrow"/>
+          </a:ln>
+        </p:spPr>
+        <p:style>
+          <a:lnRef idx="1">
+            <a:schemeClr val="accent1"/>
+          </a:lnRef>
+          <a:fillRef idx="0">
+            <a:schemeClr val="accent1"/>
+          </a:fillRef>
+          <a:effectRef idx="0">
+            <a:schemeClr val="accent1"/>
+          </a:effectRef>
+          <a:fontRef idx="minor">
+            <a:schemeClr val="tx1"/>
+          </a:fontRef>
+        </p:style>
+      </p:cxnSp>
+      <p:sp>
+        <p:nvSpPr>
+          <p:cNvPr id="19" name="TextBox 18"/>
+          <p:cNvSpPr txBox="1"/>
+          <p:nvPr/>
+        </p:nvSpPr>
+        <p:spPr>
+          <a:xfrm>
+            <a:off x="2051116" y="912849"/>
+            <a:ext cx="2228784" cy="215444"/>
+          </a:xfrm>
+          <a:prstGeom prst="rect">
+            <a:avLst/>
+          </a:prstGeom>
+          <a:noFill/>
+        </p:spPr>
+        <p:txBody>
+          <a:bodyPr wrap="square" lIns="0" tIns="0" rIns="0" bIns="0" rtlCol="0">
+            <a:spAutoFit/>
+          </a:bodyPr>
+          <a:lstStyle>
+            <a:defPPr>
+              <a:defRPr lang="en-US"/>
+            </a:defPPr>
+            <a:lvl1pPr algn="r">
+              <a:defRPr sz="1400">
+                <a:solidFill>
+                  <a:srgbClr val="0070C0"/>
+                </a:solidFill>
+              </a:defRPr>
+            </a:lvl1pPr>
+          </a:lstStyle>
+          <a:p>
+            <a:pPr algn="l"/>
+            <a:r>
+              <a:rPr lang="en-US" dirty="0" smtClean="0">
+                <a:solidFill>
+                  <a:srgbClr val="7030A0"/>
+                </a:solidFill>
+              </a:rPr>
+              <a:t>post(</a:t>
+            </a:r>
+            <a:r>
+              <a:rPr lang="en-US" dirty="0" err="1" smtClean="0">
+                <a:solidFill>
+                  <a:srgbClr val="7030A0"/>
+                </a:solidFill>
+              </a:rPr>
+              <a:t>TimeTableChangedEvent</a:t>
+            </a:r>
+            <a:r>
+              <a:rPr lang="en-US" dirty="0" smtClean="0">
+                <a:solidFill>
+                  <a:srgbClr val="7030A0"/>
+                </a:solidFill>
+              </a:rPr>
+              <a:t>)</a:t>
+            </a:r>
+            <a:endParaRPr lang="en-US" dirty="0">
+              <a:solidFill>
+                <a:srgbClr val="7030A0"/>
+              </a:solidFill>
+            </a:endParaRPr>
+          </a:p>
+        </p:txBody>
+      </p:sp>
+      <p:cxnSp>
+        <p:nvCxnSpPr>
+          <p:cNvPr id="20" name="Straight Connector 19"/>
+          <p:cNvCxnSpPr>
+            <a:stCxn id="16" idx="2"/>
+          </p:cNvCxnSpPr>
+          <p:nvPr/>
+        </p:nvCxnSpPr>
+        <p:spPr>
+          <a:xfrm>
+            <a:off x="4428895" y="784344"/>
+            <a:ext cx="0" cy="5770761"/>
+          </a:xfrm>
+          <a:prstGeom prst="line">
+            <a:avLst/>
+          </a:prstGeom>
+          <a:ln w="19050">
+            <a:solidFill>
+              <a:schemeClr val="accent5">
+                <a:lumMod val="75000"/>
+              </a:schemeClr>
+            </a:solidFill>
+            <a:prstDash val="sysDash"/>
+          </a:ln>
+          <a:effectLst/>
+        </p:spPr>
+        <p:style>
+          <a:lnRef idx="1">
+            <a:schemeClr val="accent1"/>
+          </a:lnRef>
+          <a:fillRef idx="2">
+            <a:schemeClr val="accent1"/>
+          </a:fillRef>
+          <a:effectRef idx="1">
+            <a:schemeClr val="accent1"/>
+          </a:effectRef>
+          <a:fontRef idx="minor">
+            <a:schemeClr val="dk1"/>
+          </a:fontRef>
+        </p:style>
+      </p:cxnSp>
+      <p:sp>
+        <p:nvSpPr>
+          <p:cNvPr id="24" name="Rectangle 23"/>
+          <p:cNvSpPr/>
+          <p:nvPr/>
+        </p:nvSpPr>
+        <p:spPr>
+          <a:xfrm>
+            <a:off x="4348234" y="1128293"/>
+            <a:ext cx="161322" cy="5124870"/>
+          </a:xfrm>
+          <a:prstGeom prst="rect">
+            <a:avLst/>
+          </a:prstGeom>
+          <a:solidFill>
+            <a:schemeClr val="accent5">
+              <a:lumMod val="75000"/>
+            </a:schemeClr>
+          </a:solidFill>
+          <a:ln>
+            <a:solidFill>
+              <a:schemeClr val="accent5">
+                <a:lumMod val="75000"/>
+              </a:schemeClr>
+            </a:solidFill>
+          </a:ln>
+          <a:effectLst/>
+        </p:spPr>
+        <p:style>
+          <a:lnRef idx="1">
+            <a:schemeClr val="accent3"/>
+          </a:lnRef>
+          <a:fillRef idx="2">
+            <a:schemeClr val="accent3"/>
+          </a:fillRef>
+          <a:effectRef idx="1">
+            <a:schemeClr val="accent3"/>
+          </a:effectRef>
+          <a:fontRef idx="minor">
+            <a:schemeClr val="dk1"/>
+          </a:fontRef>
+        </p:style>
+        <p:txBody>
+          <a:bodyPr rtlCol="0" anchor="ctr"/>
+          <a:lstStyle/>
+          <a:p>
+            <a:pPr algn="ctr"/>
+            <a:endParaRPr lang="en-SG" sz="1400">
+              <a:solidFill>
+                <a:prstClr val="black"/>
+              </a:solidFill>
+            </a:endParaRPr>
+          </a:p>
+        </p:txBody>
+      </p:sp>
+      <p:cxnSp>
+        <p:nvCxnSpPr>
+          <p:cNvPr id="28" name="Straight Arrow Connector 27"/>
+          <p:cNvCxnSpPr/>
+          <p:nvPr/>
+        </p:nvCxnSpPr>
+        <p:spPr>
+          <a:xfrm>
+            <a:off x="1982779" y="6236551"/>
+            <a:ext cx="2365455" cy="0"/>
+          </a:xfrm>
+          <a:prstGeom prst="straightConnector1">
+            <a:avLst/>
+          </a:prstGeom>
+          <a:ln w="19050">
+            <a:solidFill>
+              <a:schemeClr val="accent5">
+                <a:lumMod val="75000"/>
+              </a:schemeClr>
+            </a:solidFill>
+            <a:prstDash val="dash"/>
+            <a:headEnd type="arrow" w="med" len="med"/>
+            <a:tailEnd type="none" w="med" len="med"/>
+          </a:ln>
+        </p:spPr>
+        <p:style>
+          <a:lnRef idx="1">
+            <a:schemeClr val="accent1"/>
+          </a:lnRef>
+          <a:fillRef idx="0">
+            <a:schemeClr val="accent1"/>
+          </a:fillRef>
+          <a:effectRef idx="0">
+            <a:schemeClr val="accent1"/>
+          </a:effectRef>
+          <a:fontRef idx="minor">
+            <a:schemeClr val="tx1"/>
+          </a:fontRef>
+        </p:style>
+      </p:cxnSp>
+      <p:cxnSp>
+        <p:nvCxnSpPr>
+          <p:cNvPr id="29" name="Straight Arrow Connector 28"/>
+          <p:cNvCxnSpPr/>
+          <p:nvPr/>
+        </p:nvCxnSpPr>
+        <p:spPr>
+          <a:xfrm>
+            <a:off x="4509556" y="1343737"/>
+            <a:ext cx="2574245" cy="0"/>
+          </a:xfrm>
+          <a:prstGeom prst="straightConnector1">
+            <a:avLst/>
+          </a:prstGeom>
+          <a:ln w="19050">
+            <a:solidFill>
+              <a:schemeClr val="accent5">
+                <a:lumMod val="75000"/>
+              </a:schemeClr>
+            </a:solidFill>
+            <a:tailEnd type="arrow"/>
+          </a:ln>
+        </p:spPr>
+        <p:style>
+          <a:lnRef idx="1">
+            <a:schemeClr val="accent1"/>
+          </a:lnRef>
+          <a:fillRef idx="0">
+            <a:schemeClr val="accent1"/>
+          </a:fillRef>
+          <a:effectRef idx="0">
+            <a:schemeClr val="accent1"/>
+          </a:effectRef>
+          <a:fontRef idx="minor">
+            <a:schemeClr val="tx1"/>
+          </a:fontRef>
+        </p:style>
+      </p:cxnSp>
+      <p:sp>
+        <p:nvSpPr>
+          <p:cNvPr id="30" name="TextBox 29"/>
+          <p:cNvSpPr txBox="1"/>
+          <p:nvPr/>
+        </p:nvSpPr>
+        <p:spPr>
+          <a:xfrm>
+            <a:off x="4590217" y="1128293"/>
+            <a:ext cx="2410658" cy="215444"/>
+          </a:xfrm>
+          <a:prstGeom prst="rect">
+            <a:avLst/>
+          </a:prstGeom>
+          <a:noFill/>
+        </p:spPr>
+        <p:txBody>
+          <a:bodyPr wrap="square" lIns="0" tIns="0" rIns="0" bIns="0" rtlCol="0">
+            <a:spAutoFit/>
+          </a:bodyPr>
+          <a:lstStyle>
+            <a:defPPr>
+              <a:defRPr lang="en-US"/>
+            </a:defPPr>
+            <a:lvl1pPr algn="r">
+              <a:defRPr sz="1400">
+                <a:solidFill>
+                  <a:srgbClr val="0070C0"/>
+                </a:solidFill>
+              </a:defRPr>
+            </a:lvl1pPr>
+          </a:lstStyle>
+          <a:p>
+            <a:pPr algn="l"/>
+            <a:r>
+              <a:rPr lang="en-US" dirty="0" err="1" smtClean="0">
+                <a:solidFill>
+                  <a:schemeClr val="accent5">
+                    <a:lumMod val="75000"/>
+                  </a:schemeClr>
+                </a:solidFill>
+              </a:rPr>
+              <a:t>handleTimeTableChangedEvent</a:t>
+            </a:r>
+            <a:r>
+              <a:rPr lang="en-US" dirty="0" smtClean="0">
+                <a:solidFill>
+                  <a:schemeClr val="accent5">
+                    <a:lumMod val="75000"/>
+                  </a:schemeClr>
+                </a:solidFill>
+              </a:rPr>
+              <a:t>()</a:t>
+            </a:r>
+            <a:endParaRPr lang="en-US" dirty="0">
+              <a:solidFill>
+                <a:schemeClr val="accent5">
+                  <a:lumMod val="75000"/>
+                </a:schemeClr>
+              </a:solidFill>
+            </a:endParaRPr>
+          </a:p>
+        </p:txBody>
+      </p:sp>
+      <p:sp>
+        <p:nvSpPr>
+          <p:cNvPr id="32" name="Rectangle 62"/>
+          <p:cNvSpPr/>
+          <p:nvPr/>
+        </p:nvSpPr>
+        <p:spPr>
+          <a:xfrm>
+            <a:off x="6624336" y="523770"/>
+            <a:ext cx="1093635" cy="496801"/>
+          </a:xfrm>
+          <a:prstGeom prst="rect">
+            <a:avLst/>
+          </a:prstGeom>
+          <a:solidFill>
+            <a:srgbClr val="00B050"/>
+          </a:solidFill>
+          <a:ln w="19050">
+            <a:solidFill>
+              <a:srgbClr val="00B050"/>
+            </a:solidFill>
+          </a:ln>
+          <a:effectLst/>
+        </p:spPr>
+        <p:style>
+          <a:lnRef idx="1">
+            <a:schemeClr val="accent2"/>
+          </a:lnRef>
+          <a:fillRef idx="2">
+            <a:schemeClr val="accent2"/>
+          </a:fillRef>
+          <a:effectRef idx="1">
+            <a:schemeClr val="accent2"/>
+          </a:effectRef>
+          <a:fontRef idx="minor">
+            <a:schemeClr val="dk1"/>
+          </a:fontRef>
+        </p:style>
+        <p:txBody>
+          <a:bodyPr rtlCol="0" anchor="ctr"/>
+          <a:lstStyle/>
+          <a:p>
+            <a:pPr algn="ctr"/>
+            <a:r>
+              <a:rPr lang="en-US" sz="1600" dirty="0" smtClean="0">
+                <a:solidFill>
+                  <a:schemeClr val="bg1"/>
+                </a:solidFill>
+              </a:rPr>
+              <a:t>:</a:t>
+            </a:r>
+            <a:r>
+              <a:rPr lang="en-US" sz="1600" dirty="0" err="1" smtClean="0">
+                <a:solidFill>
+                  <a:schemeClr val="bg1"/>
+                </a:solidFill>
+              </a:rPr>
+              <a:t>TimeTablePanel</a:t>
+            </a:r>
+            <a:endParaRPr lang="en-SG" sz="1600" dirty="0">
+              <a:solidFill>
+                <a:schemeClr val="bg1"/>
+              </a:solidFill>
+            </a:endParaRPr>
+          </a:p>
+        </p:txBody>
+      </p:sp>
+      <p:cxnSp>
+        <p:nvCxnSpPr>
+          <p:cNvPr id="35" name="Straight Connector 34"/>
+          <p:cNvCxnSpPr>
+            <a:stCxn id="32" idx="2"/>
+          </p:cNvCxnSpPr>
+          <p:nvPr/>
+        </p:nvCxnSpPr>
+        <p:spPr>
+          <a:xfrm flipH="1">
+            <a:off x="7171153" y="1020571"/>
+            <a:ext cx="1" cy="5580000"/>
+          </a:xfrm>
+          <a:prstGeom prst="line">
+            <a:avLst/>
+          </a:prstGeom>
+          <a:ln w="19050">
+            <a:solidFill>
+              <a:srgbClr val="00B050"/>
+            </a:solidFill>
+            <a:prstDash val="sysDash"/>
+          </a:ln>
+          <a:effectLst/>
+        </p:spPr>
+        <p:style>
+          <a:lnRef idx="1">
+            <a:schemeClr val="accent1"/>
+          </a:lnRef>
+          <a:fillRef idx="2">
+            <a:schemeClr val="accent1"/>
+          </a:fillRef>
+          <a:effectRef idx="1">
+            <a:schemeClr val="accent1"/>
+          </a:effectRef>
+          <a:fontRef idx="minor">
+            <a:schemeClr val="dk1"/>
+          </a:fontRef>
+        </p:style>
+      </p:cxnSp>
+      <p:sp>
+        <p:nvSpPr>
+          <p:cNvPr id="38" name="Rectangle 37"/>
+          <p:cNvSpPr/>
+          <p:nvPr/>
+        </p:nvSpPr>
+        <p:spPr>
+          <a:xfrm>
+            <a:off x="7081536" y="1343737"/>
+            <a:ext cx="161322" cy="5124870"/>
+          </a:xfrm>
+          <a:prstGeom prst="rect">
+            <a:avLst/>
+          </a:prstGeom>
+          <a:solidFill>
+            <a:srgbClr val="00B050"/>
+          </a:solidFill>
+          <a:ln>
+            <a:solidFill>
+              <a:srgbClr val="00B050"/>
+            </a:solidFill>
+          </a:ln>
+          <a:effectLst/>
+        </p:spPr>
+        <p:style>
+          <a:lnRef idx="1">
+            <a:schemeClr val="accent3"/>
+          </a:lnRef>
+          <a:fillRef idx="2">
+            <a:schemeClr val="accent3"/>
+          </a:fillRef>
+          <a:effectRef idx="1">
+            <a:schemeClr val="accent3"/>
+          </a:effectRef>
+          <a:fontRef idx="minor">
+            <a:schemeClr val="dk1"/>
+          </a:fontRef>
+        </p:style>
+        <p:txBody>
+          <a:bodyPr rtlCol="0" anchor="ctr"/>
+          <a:lstStyle/>
+          <a:p>
+            <a:pPr algn="ctr"/>
+            <a:endParaRPr lang="en-SG" sz="1400">
+              <a:solidFill>
+                <a:prstClr val="black"/>
+              </a:solidFill>
+            </a:endParaRPr>
+          </a:p>
+        </p:txBody>
+      </p:sp>
+      <p:sp>
+        <p:nvSpPr>
+          <p:cNvPr id="39" name="Rectangle 62"/>
+          <p:cNvSpPr/>
+          <p:nvPr/>
+        </p:nvSpPr>
+        <p:spPr>
+          <a:xfrm>
+            <a:off x="7873839" y="523376"/>
+            <a:ext cx="1093635" cy="496801"/>
+          </a:xfrm>
+          <a:prstGeom prst="rect">
+            <a:avLst/>
+          </a:prstGeom>
+          <a:solidFill>
+            <a:srgbClr val="00B050"/>
+          </a:solidFill>
+          <a:ln w="19050">
+            <a:solidFill>
+              <a:srgbClr val="00B050"/>
+            </a:solidFill>
+          </a:ln>
+          <a:effectLst/>
+        </p:spPr>
+        <p:style>
+          <a:lnRef idx="1">
+            <a:schemeClr val="accent2"/>
+          </a:lnRef>
+          <a:fillRef idx="2">
+            <a:schemeClr val="accent2"/>
+          </a:fillRef>
+          <a:effectRef idx="1">
+            <a:schemeClr val="accent2"/>
+          </a:effectRef>
+          <a:fontRef idx="minor">
+            <a:schemeClr val="dk1"/>
+          </a:fontRef>
+        </p:style>
+        <p:txBody>
+          <a:bodyPr rtlCol="0" anchor="ctr"/>
+          <a:lstStyle/>
+          <a:p>
+            <a:pPr algn="ctr"/>
+            <a:r>
+              <a:rPr lang="en-US" sz="1600" dirty="0" smtClean="0">
+                <a:solidFill>
+                  <a:schemeClr val="bg1"/>
+                </a:solidFill>
+              </a:rPr>
+              <a:t>:</a:t>
+            </a:r>
+            <a:r>
+              <a:rPr lang="en-US" sz="1600" dirty="0" err="1" smtClean="0">
+                <a:solidFill>
+                  <a:schemeClr val="bg1"/>
+                </a:solidFill>
+              </a:rPr>
+              <a:t>MainGrid</a:t>
+            </a:r>
+            <a:endParaRPr lang="en-SG" sz="1600" dirty="0">
+              <a:solidFill>
+                <a:schemeClr val="bg1"/>
+              </a:solidFill>
+            </a:endParaRPr>
+          </a:p>
+        </p:txBody>
+      </p:sp>
+      <p:cxnSp>
+        <p:nvCxnSpPr>
+          <p:cNvPr id="40" name="Straight Connector 39"/>
+          <p:cNvCxnSpPr>
+            <a:stCxn id="39" idx="2"/>
+          </p:cNvCxnSpPr>
+          <p:nvPr/>
+        </p:nvCxnSpPr>
+        <p:spPr>
+          <a:xfrm flipH="1">
+            <a:off x="8420656" y="1020177"/>
+            <a:ext cx="1" cy="5580000"/>
+          </a:xfrm>
+          <a:prstGeom prst="line">
+            <a:avLst/>
+          </a:prstGeom>
+          <a:ln w="19050">
+            <a:solidFill>
+              <a:srgbClr val="00B050"/>
+            </a:solidFill>
+            <a:prstDash val="sysDash"/>
+          </a:ln>
+          <a:effectLst/>
+        </p:spPr>
+        <p:style>
+          <a:lnRef idx="1">
+            <a:schemeClr val="accent1"/>
+          </a:lnRef>
+          <a:fillRef idx="2">
+            <a:schemeClr val="accent1"/>
+          </a:fillRef>
+          <a:effectRef idx="1">
+            <a:schemeClr val="accent1"/>
+          </a:effectRef>
+          <a:fontRef idx="minor">
+            <a:schemeClr val="dk1"/>
+          </a:fontRef>
+        </p:style>
+      </p:cxnSp>
+      <p:sp>
+        <p:nvSpPr>
+          <p:cNvPr id="41" name="Rectangle 40"/>
+          <p:cNvSpPr/>
+          <p:nvPr/>
+        </p:nvSpPr>
+        <p:spPr>
+          <a:xfrm>
+            <a:off x="8339995" y="1589861"/>
+            <a:ext cx="161322" cy="276225"/>
+          </a:xfrm>
+          <a:prstGeom prst="rect">
+            <a:avLst/>
+          </a:prstGeom>
+          <a:solidFill>
+            <a:srgbClr val="00B050"/>
+          </a:solidFill>
+          <a:ln>
+            <a:solidFill>
+              <a:srgbClr val="00B050"/>
+            </a:solidFill>
+          </a:ln>
+          <a:effectLst/>
+        </p:spPr>
+        <p:style>
+          <a:lnRef idx="1">
+            <a:schemeClr val="accent3"/>
+          </a:lnRef>
+          <a:fillRef idx="2">
+            <a:schemeClr val="accent3"/>
+          </a:fillRef>
+          <a:effectRef idx="1">
+            <a:schemeClr val="accent3"/>
+          </a:effectRef>
+          <a:fontRef idx="minor">
+            <a:schemeClr val="dk1"/>
+          </a:fontRef>
+        </p:style>
+        <p:txBody>
+          <a:bodyPr rtlCol="0" anchor="ctr"/>
+          <a:lstStyle/>
+          <a:p>
+            <a:pPr algn="ctr"/>
+            <a:endParaRPr lang="en-SG" sz="1400">
+              <a:solidFill>
+                <a:prstClr val="black"/>
+              </a:solidFill>
+            </a:endParaRPr>
+          </a:p>
+        </p:txBody>
+      </p:sp>
+      <p:cxnSp>
+        <p:nvCxnSpPr>
+          <p:cNvPr id="42" name="Straight Arrow Connector 41"/>
+          <p:cNvCxnSpPr/>
+          <p:nvPr/>
+        </p:nvCxnSpPr>
+        <p:spPr>
+          <a:xfrm>
+            <a:off x="7242858" y="1589861"/>
+            <a:ext cx="1097137" cy="0"/>
+          </a:xfrm>
+          <a:prstGeom prst="straightConnector1">
+            <a:avLst/>
+          </a:prstGeom>
+          <a:ln w="19050">
+            <a:solidFill>
+              <a:srgbClr val="00B050"/>
+            </a:solidFill>
+            <a:tailEnd type="arrow"/>
+          </a:ln>
+        </p:spPr>
+        <p:style>
+          <a:lnRef idx="1">
+            <a:schemeClr val="accent1"/>
+          </a:lnRef>
+          <a:fillRef idx="0">
+            <a:schemeClr val="accent1"/>
+          </a:fillRef>
+          <a:effectRef idx="0">
+            <a:schemeClr val="accent1"/>
+          </a:effectRef>
+          <a:fontRef idx="minor">
+            <a:schemeClr val="tx1"/>
+          </a:fontRef>
+        </p:style>
+      </p:cxnSp>
+      <p:sp>
+        <p:nvSpPr>
+          <p:cNvPr id="44" name="TextBox 43"/>
+          <p:cNvSpPr txBox="1"/>
+          <p:nvPr/>
+        </p:nvSpPr>
+        <p:spPr>
+          <a:xfrm>
+            <a:off x="7291508" y="1359077"/>
+            <a:ext cx="777806" cy="215444"/>
+          </a:xfrm>
+          <a:prstGeom prst="rect">
+            <a:avLst/>
+          </a:prstGeom>
+          <a:noFill/>
+        </p:spPr>
+        <p:txBody>
+          <a:bodyPr wrap="square" lIns="0" tIns="0" rIns="0" bIns="0" rtlCol="0">
+            <a:spAutoFit/>
+          </a:bodyPr>
+          <a:lstStyle>
+            <a:defPPr>
+              <a:defRPr lang="en-US"/>
+            </a:defPPr>
+            <a:lvl1pPr algn="r">
+              <a:defRPr sz="1400">
+                <a:solidFill>
+                  <a:srgbClr val="0070C0"/>
+                </a:solidFill>
+              </a:defRPr>
+            </a:lvl1pPr>
+          </a:lstStyle>
+          <a:p>
+            <a:pPr algn="l"/>
+            <a:r>
+              <a:rPr lang="en-US" dirty="0" err="1" smtClean="0">
+                <a:solidFill>
+                  <a:srgbClr val="00B050"/>
+                </a:solidFill>
+              </a:rPr>
+              <a:t>clearGrid</a:t>
+            </a:r>
+            <a:r>
+              <a:rPr lang="en-US" dirty="0" smtClean="0">
+                <a:solidFill>
+                  <a:srgbClr val="00B050"/>
+                </a:solidFill>
+              </a:rPr>
+              <a:t>()</a:t>
+            </a:r>
+            <a:endParaRPr lang="en-US" dirty="0">
+              <a:solidFill>
+                <a:srgbClr val="00B050"/>
+              </a:solidFill>
+            </a:endParaRPr>
+          </a:p>
+        </p:txBody>
+      </p:sp>
+      <p:cxnSp>
+        <p:nvCxnSpPr>
+          <p:cNvPr id="45" name="Straight Arrow Connector 44"/>
+          <p:cNvCxnSpPr/>
+          <p:nvPr/>
+        </p:nvCxnSpPr>
+        <p:spPr>
+          <a:xfrm>
+            <a:off x="7242857" y="1866086"/>
+            <a:ext cx="1097137" cy="0"/>
+          </a:xfrm>
+          <a:prstGeom prst="straightConnector1">
+            <a:avLst/>
+          </a:prstGeom>
+          <a:ln w="19050">
+            <a:solidFill>
+              <a:srgbClr val="00B050"/>
+            </a:solidFill>
+            <a:prstDash val="dash"/>
+            <a:headEnd type="arrow" w="med" len="med"/>
+            <a:tailEnd type="none" w="med" len="med"/>
+          </a:ln>
+        </p:spPr>
+        <p:style>
+          <a:lnRef idx="1">
+            <a:schemeClr val="accent1"/>
+          </a:lnRef>
+          <a:fillRef idx="0">
+            <a:schemeClr val="accent1"/>
+          </a:fillRef>
+          <a:effectRef idx="0">
+            <a:schemeClr val="accent1"/>
+          </a:effectRef>
+          <a:fontRef idx="minor">
+            <a:schemeClr val="tx1"/>
+          </a:fontRef>
+        </p:style>
+      </p:cxnSp>
+      <p:sp>
+        <p:nvSpPr>
+          <p:cNvPr id="48" name="Rectangle 47"/>
+          <p:cNvSpPr/>
+          <p:nvPr/>
+        </p:nvSpPr>
+        <p:spPr>
+          <a:xfrm>
+            <a:off x="8339995" y="2284881"/>
+            <a:ext cx="161322" cy="276225"/>
+          </a:xfrm>
+          <a:prstGeom prst="rect">
+            <a:avLst/>
+          </a:prstGeom>
+          <a:solidFill>
+            <a:srgbClr val="00B050"/>
+          </a:solidFill>
+          <a:ln>
+            <a:solidFill>
+              <a:srgbClr val="00B050"/>
+            </a:solidFill>
+          </a:ln>
+          <a:effectLst/>
+        </p:spPr>
+        <p:style>
+          <a:lnRef idx="1">
+            <a:schemeClr val="accent3"/>
+          </a:lnRef>
+          <a:fillRef idx="2">
+            <a:schemeClr val="accent3"/>
+          </a:fillRef>
+          <a:effectRef idx="1">
+            <a:schemeClr val="accent3"/>
+          </a:effectRef>
+          <a:fontRef idx="minor">
+            <a:schemeClr val="dk1"/>
+          </a:fontRef>
+        </p:style>
+        <p:txBody>
+          <a:bodyPr rtlCol="0" anchor="ctr"/>
+          <a:lstStyle/>
+          <a:p>
+            <a:pPr algn="ctr"/>
+            <a:endParaRPr lang="en-SG" sz="1400">
+              <a:solidFill>
+                <a:prstClr val="black"/>
+              </a:solidFill>
+            </a:endParaRPr>
+          </a:p>
+        </p:txBody>
+      </p:sp>
+      <p:cxnSp>
+        <p:nvCxnSpPr>
+          <p:cNvPr id="49" name="Straight Arrow Connector 48"/>
+          <p:cNvCxnSpPr/>
+          <p:nvPr/>
+        </p:nvCxnSpPr>
+        <p:spPr>
+          <a:xfrm>
+            <a:off x="7242858" y="2284881"/>
+            <a:ext cx="1097137" cy="0"/>
+          </a:xfrm>
+          <a:prstGeom prst="straightConnector1">
+            <a:avLst/>
+          </a:prstGeom>
+          <a:ln w="19050">
+            <a:solidFill>
+              <a:srgbClr val="00B050"/>
+            </a:solidFill>
+            <a:tailEnd type="arrow"/>
+          </a:ln>
+        </p:spPr>
+        <p:style>
+          <a:lnRef idx="1">
+            <a:schemeClr val="accent1"/>
+          </a:lnRef>
+          <a:fillRef idx="0">
+            <a:schemeClr val="accent1"/>
+          </a:fillRef>
+          <a:effectRef idx="0">
+            <a:schemeClr val="accent1"/>
+          </a:effectRef>
+          <a:fontRef idx="minor">
+            <a:schemeClr val="tx1"/>
+          </a:fontRef>
+        </p:style>
+      </p:cxnSp>
+      <p:sp>
+        <p:nvSpPr>
+          <p:cNvPr id="50" name="TextBox 49"/>
+          <p:cNvSpPr txBox="1"/>
+          <p:nvPr/>
+        </p:nvSpPr>
+        <p:spPr>
+          <a:xfrm>
+            <a:off x="7291508" y="2054097"/>
+            <a:ext cx="777806" cy="215444"/>
+          </a:xfrm>
+          <a:prstGeom prst="rect">
+            <a:avLst/>
+          </a:prstGeom>
+          <a:noFill/>
+        </p:spPr>
+        <p:txBody>
+          <a:bodyPr wrap="square" lIns="0" tIns="0" rIns="0" bIns="0" rtlCol="0">
+            <a:spAutoFit/>
+          </a:bodyPr>
+          <a:lstStyle>
+            <a:defPPr>
+              <a:defRPr lang="en-US"/>
+            </a:defPPr>
+            <a:lvl1pPr algn="r">
+              <a:defRPr sz="1400">
+                <a:solidFill>
+                  <a:srgbClr val="0070C0"/>
+                </a:solidFill>
+              </a:defRPr>
+            </a:lvl1pPr>
+          </a:lstStyle>
+          <a:p>
+            <a:pPr algn="l"/>
+            <a:r>
+              <a:rPr lang="en-US" dirty="0" err="1" smtClean="0">
+                <a:solidFill>
+                  <a:srgbClr val="00B050"/>
+                </a:solidFill>
+              </a:rPr>
+              <a:t>clearGrid</a:t>
+            </a:r>
+            <a:r>
+              <a:rPr lang="en-US" dirty="0" smtClean="0">
+                <a:solidFill>
+                  <a:srgbClr val="00B050"/>
+                </a:solidFill>
+              </a:rPr>
+              <a:t>()</a:t>
+            </a:r>
+            <a:endParaRPr lang="en-US" dirty="0">
+              <a:solidFill>
+                <a:srgbClr val="00B050"/>
+              </a:solidFill>
+            </a:endParaRPr>
+          </a:p>
+        </p:txBody>
+      </p:sp>
+    </p:spTree>
+    <p:extLst>
+      <p:ext uri="{BB962C8B-B14F-4D97-AF65-F5344CB8AC3E}">
+        <p14:creationId xmlns:p14="http://schemas.microsoft.com/office/powerpoint/2010/main" val="423418974"/>
       </p:ext>
     </p:extLst>
   </p:cSld>
